--- a/SongPresentation.pptx
+++ b/SongPresentation.pptx
@@ -13,6 +13,7 @@
     <p:sldId id="263" r:id="rId7"/>
     <p:sldId id="264" r:id="rId8"/>
     <p:sldId id="266" r:id="rId9"/>
+    <p:sldId id="267" r:id="rId10"/>
   </p:sldIdLst>
   <p:sldSz cx="12192000" cy="6858000"/>
   <p:notesSz cx="6858000" cy="9144000"/>
@@ -111,6 +112,11 @@
       </a:defRPr>
     </a:lvl9pPr>
   </p:defaultTextStyle>
+  <p:extLst>
+    <p:ext uri="{EFAFB233-063F-42B5-8137-9DF3F51BA10A}">
+      <p15:sldGuideLst xmlns:p15="http://schemas.microsoft.com/office/powerpoint/2012/main"/>
+    </p:ext>
+  </p:extLst>
 </p:presentation>
 </file>
 
@@ -261,7 +267,7 @@
           <a:p>
             <a:fld id="{E70F2DA1-0F02-44FA-B793-1925E0ACED22}" type="datetimeFigureOut">
               <a:rPr lang="en-US" smtClean="0"/>
-              <a:t>12/11/18</a:t>
+              <a:t>12/13/2018</a:t>
             </a:fld>
             <a:endParaRPr lang="en-US"/>
           </a:p>
@@ -459,7 +465,7 @@
           <a:p>
             <a:fld id="{E70F2DA1-0F02-44FA-B793-1925E0ACED22}" type="datetimeFigureOut">
               <a:rPr lang="en-US" smtClean="0"/>
-              <a:t>12/11/18</a:t>
+              <a:t>12/13/2018</a:t>
             </a:fld>
             <a:endParaRPr lang="en-US"/>
           </a:p>
@@ -667,7 +673,7 @@
           <a:p>
             <a:fld id="{E70F2DA1-0F02-44FA-B793-1925E0ACED22}" type="datetimeFigureOut">
               <a:rPr lang="en-US" smtClean="0"/>
-              <a:t>12/11/18</a:t>
+              <a:t>12/13/2018</a:t>
             </a:fld>
             <a:endParaRPr lang="en-US"/>
           </a:p>
@@ -865,7 +871,7 @@
           <a:p>
             <a:fld id="{E70F2DA1-0F02-44FA-B793-1925E0ACED22}" type="datetimeFigureOut">
               <a:rPr lang="en-US" smtClean="0"/>
-              <a:t>12/11/18</a:t>
+              <a:t>12/13/2018</a:t>
             </a:fld>
             <a:endParaRPr lang="en-US"/>
           </a:p>
@@ -1140,7 +1146,7 @@
           <a:p>
             <a:fld id="{E70F2DA1-0F02-44FA-B793-1925E0ACED22}" type="datetimeFigureOut">
               <a:rPr lang="en-US" smtClean="0"/>
-              <a:t>12/11/18</a:t>
+              <a:t>12/13/2018</a:t>
             </a:fld>
             <a:endParaRPr lang="en-US"/>
           </a:p>
@@ -1405,7 +1411,7 @@
           <a:p>
             <a:fld id="{E70F2DA1-0F02-44FA-B793-1925E0ACED22}" type="datetimeFigureOut">
               <a:rPr lang="en-US" smtClean="0"/>
-              <a:t>12/11/18</a:t>
+              <a:t>12/13/2018</a:t>
             </a:fld>
             <a:endParaRPr lang="en-US"/>
           </a:p>
@@ -1817,7 +1823,7 @@
           <a:p>
             <a:fld id="{E70F2DA1-0F02-44FA-B793-1925E0ACED22}" type="datetimeFigureOut">
               <a:rPr lang="en-US" smtClean="0"/>
-              <a:t>12/11/18</a:t>
+              <a:t>12/13/2018</a:t>
             </a:fld>
             <a:endParaRPr lang="en-US"/>
           </a:p>
@@ -1958,7 +1964,7 @@
           <a:p>
             <a:fld id="{E70F2DA1-0F02-44FA-B793-1925E0ACED22}" type="datetimeFigureOut">
               <a:rPr lang="en-US" smtClean="0"/>
-              <a:t>12/11/18</a:t>
+              <a:t>12/13/2018</a:t>
             </a:fld>
             <a:endParaRPr lang="en-US"/>
           </a:p>
@@ -2071,7 +2077,7 @@
           <a:p>
             <a:fld id="{E70F2DA1-0F02-44FA-B793-1925E0ACED22}" type="datetimeFigureOut">
               <a:rPr lang="en-US" smtClean="0"/>
-              <a:t>12/11/18</a:t>
+              <a:t>12/13/2018</a:t>
             </a:fld>
             <a:endParaRPr lang="en-US"/>
           </a:p>
@@ -2382,7 +2388,7 @@
           <a:p>
             <a:fld id="{E70F2DA1-0F02-44FA-B793-1925E0ACED22}" type="datetimeFigureOut">
               <a:rPr lang="en-US" smtClean="0"/>
-              <a:t>12/11/18</a:t>
+              <a:t>12/13/2018</a:t>
             </a:fld>
             <a:endParaRPr lang="en-US"/>
           </a:p>
@@ -2670,7 +2676,7 @@
           <a:p>
             <a:fld id="{E70F2DA1-0F02-44FA-B793-1925E0ACED22}" type="datetimeFigureOut">
               <a:rPr lang="en-US" smtClean="0"/>
-              <a:t>12/11/18</a:t>
+              <a:t>12/13/2018</a:t>
             </a:fld>
             <a:endParaRPr lang="en-US"/>
           </a:p>
@@ -2911,7 +2917,7 @@
           <a:p>
             <a:fld id="{E70F2DA1-0F02-44FA-B793-1925E0ACED22}" type="datetimeFigureOut">
               <a:rPr lang="en-US" smtClean="0"/>
-              <a:t>12/11/18</a:t>
+              <a:t>12/13/2018</a:t>
             </a:fld>
             <a:endParaRPr lang="en-US"/>
           </a:p>
@@ -3378,7 +3384,7 @@
         </p:nvSpPr>
         <p:spPr>
           <a:xfrm>
-            <a:off x="-1" y="0"/>
+            <a:off x="-2960" y="0"/>
             <a:ext cx="8700117" cy="1200329"/>
           </a:xfrm>
           <a:prstGeom prst="rect">
@@ -3399,7 +3405,10 @@
             <a:r>
               <a:rPr lang="en-US" sz="7200" b="1" dirty="0">
                 <a:solidFill>
-                  <a:srgbClr val="FF0000"/>
+                  <a:schemeClr val="accent6">
+                    <a:lumMod val="60000"/>
+                    <a:lumOff val="40000"/>
+                  </a:schemeClr>
                 </a:solidFill>
               </a:rPr>
               <a:t>Song Data Analysis</a:t>
@@ -3443,7 +3452,10 @@
             <a:r>
               <a:rPr lang="en-US" sz="2400" b="1" dirty="0">
                 <a:solidFill>
-                  <a:srgbClr val="FF0000"/>
+                  <a:schemeClr val="accent6">
+                    <a:lumMod val="60000"/>
+                    <a:lumOff val="40000"/>
+                  </a:schemeClr>
                 </a:solidFill>
               </a:rPr>
               <a:t>Presented by: Brandi, Lea, Brian, Nikki &amp; Jérôme</a:t>
@@ -3532,7 +3544,7 @@
         <p:spPr>
           <a:xfrm>
             <a:off x="503068" y="275208"/>
-            <a:ext cx="11185864" cy="5816977"/>
+            <a:ext cx="11185864" cy="6247864"/>
           </a:xfrm>
           <a:prstGeom prst="rect">
             <a:avLst/>
@@ -3552,7 +3564,10 @@
             <a:r>
               <a:rPr lang="en-US" sz="2800" b="1" dirty="0">
                 <a:solidFill>
-                  <a:srgbClr val="FF0000"/>
+                  <a:schemeClr val="accent6">
+                    <a:lumMod val="60000"/>
+                    <a:lumOff val="40000"/>
+                  </a:schemeClr>
                 </a:solidFill>
               </a:rPr>
               <a:t>BUSINESS OBJECTIVES: </a:t>
@@ -3560,129 +3575,183 @@
             <a:br>
               <a:rPr lang="en-US" sz="2800" dirty="0">
                 <a:solidFill>
-                  <a:srgbClr val="FF0000"/>
+                  <a:schemeClr val="accent6">
+                    <a:lumMod val="60000"/>
+                    <a:lumOff val="40000"/>
+                  </a:schemeClr>
                 </a:solidFill>
               </a:rPr>
             </a:br>
             <a:r>
               <a:rPr lang="en-US" sz="2800" dirty="0">
                 <a:solidFill>
-                  <a:srgbClr val="FF0000"/>
+                  <a:schemeClr val="accent6">
+                    <a:lumMod val="60000"/>
+                    <a:lumOff val="40000"/>
+                  </a:schemeClr>
                 </a:solidFill>
               </a:rPr>
-              <a:t>We will investigate Top 100 Billboard music dataset from 1950-2015 to determine trends in lyrics over time. Machine learning will predict popularity of song using various datapoints. </a:t>
+              <a:t>We will investigate Top 100 Billboard music dataset from 1950-2015 to determine trends in lyrics over time. We will scrape data from Spotify and use machine learning to attempt to predict the popularity of song using various datapoints. </a:t>
             </a:r>
             <a:br>
-              <a:rPr lang="en-US" sz="2800" dirty="0"/>
+              <a:rPr lang="en-US" sz="2800" dirty="0">
+                <a:solidFill>
+                  <a:schemeClr val="accent6">
+                    <a:lumMod val="60000"/>
+                    <a:lumOff val="40000"/>
+                  </a:schemeClr>
+                </a:solidFill>
+              </a:rPr>
             </a:br>
-            <a:endParaRPr lang="en-US" sz="2800" dirty="0"/>
+            <a:endParaRPr lang="en-US" sz="2800" dirty="0">
+              <a:solidFill>
+                <a:schemeClr val="accent6">
+                  <a:lumMod val="60000"/>
+                  <a:lumOff val="40000"/>
+                </a:schemeClr>
+              </a:solidFill>
+            </a:endParaRPr>
           </a:p>
           <a:p>
             <a:r>
               <a:rPr lang="en-US" sz="2800" b="1" dirty="0">
                 <a:solidFill>
-                  <a:srgbClr val="FF0000"/>
+                  <a:schemeClr val="accent6">
+                    <a:lumMod val="60000"/>
+                    <a:lumOff val="40000"/>
+                  </a:schemeClr>
                 </a:solidFill>
               </a:rPr>
               <a:t>RESEARCH QUESTIONS &amp; HYPOTHESES: </a:t>
             </a:r>
-            <a:br>
+          </a:p>
+          <a:p>
+            <a:pPr marL="457200" indent="-457200">
+              <a:buFont typeface="Arial" panose="020B0604020202020204" pitchFamily="34" charset="0"/>
+              <a:buChar char="•"/>
+            </a:pPr>
+            <a:r>
               <a:rPr lang="en-US" sz="2800" dirty="0">
                 <a:solidFill>
-                  <a:srgbClr val="FF0000"/>
-                </a:solidFill>
-              </a:rPr>
-            </a:br>
-            <a:r>
-              <a:rPr lang="en-US" sz="2800" dirty="0">
-                <a:solidFill>
-                  <a:srgbClr val="FF0000"/>
+                  <a:schemeClr val="accent6">
+                    <a:lumMod val="60000"/>
+                    <a:lumOff val="40000"/>
+                  </a:schemeClr>
                 </a:solidFill>
               </a:rPr>
               <a:t>Do songs from certain genres have more complex lyrics?</a:t>
             </a:r>
-            <a:br>
+          </a:p>
+          <a:p>
+            <a:pPr marL="457200" indent="-457200">
+              <a:buFont typeface="Arial" panose="020B0604020202020204" pitchFamily="34" charset="0"/>
+              <a:buChar char="•"/>
+            </a:pPr>
+            <a:r>
               <a:rPr lang="en-US" sz="2800" dirty="0">
                 <a:solidFill>
-                  <a:srgbClr val="FF0000"/>
-                </a:solidFill>
-              </a:rPr>
-            </a:br>
-            <a:r>
-              <a:rPr lang="en-US" sz="2800" dirty="0">
-                <a:solidFill>
-                  <a:srgbClr val="FF0000"/>
+                  <a:schemeClr val="accent6">
+                    <a:lumMod val="60000"/>
+                    <a:lumOff val="40000"/>
+                  </a:schemeClr>
                 </a:solidFill>
               </a:rPr>
               <a:t>How does popularity of genres trend over time?</a:t>
             </a:r>
-            <a:br>
+          </a:p>
+          <a:p>
+            <a:pPr marL="457200" indent="-457200">
+              <a:buFont typeface="Arial" panose="020B0604020202020204" pitchFamily="34" charset="0"/>
+              <a:buChar char="•"/>
+            </a:pPr>
+            <a:r>
               <a:rPr lang="en-US" sz="2800" dirty="0">
                 <a:solidFill>
-                  <a:srgbClr val="FF0000"/>
-                </a:solidFill>
-              </a:rPr>
-            </a:br>
-            <a:r>
-              <a:rPr lang="en-US" sz="2800" dirty="0">
-                <a:solidFill>
-                  <a:srgbClr val="FF0000"/>
+                  <a:schemeClr val="accent6">
+                    <a:lumMod val="60000"/>
+                    <a:lumOff val="40000"/>
+                  </a:schemeClr>
                 </a:solidFill>
               </a:rPr>
               <a:t>Are songs lyrics becoming more repetitive over time?</a:t>
             </a:r>
-            <a:br>
+          </a:p>
+          <a:p>
+            <a:pPr marL="457200" indent="-457200">
+              <a:buFont typeface="Arial" panose="020B0604020202020204" pitchFamily="34" charset="0"/>
+              <a:buChar char="•"/>
+            </a:pPr>
+            <a:r>
               <a:rPr lang="en-US" sz="2800" dirty="0">
                 <a:solidFill>
-                  <a:srgbClr val="FF0000"/>
-                </a:solidFill>
-              </a:rPr>
-            </a:br>
-            <a:r>
-              <a:rPr lang="en-US" sz="2800" dirty="0">
-                <a:solidFill>
-                  <a:srgbClr val="FF0000"/>
+                  <a:schemeClr val="accent6">
+                    <a:lumMod val="60000"/>
+                    <a:lumOff val="40000"/>
+                  </a:schemeClr>
                 </a:solidFill>
               </a:rPr>
               <a:t>Which artists has spent the most time on the top 100 Billboard charts?</a:t>
             </a:r>
-            <a:br>
+          </a:p>
+          <a:p>
+            <a:pPr marL="457200" indent="-457200">
+              <a:buFont typeface="Arial" panose="020B0604020202020204" pitchFamily="34" charset="0"/>
+              <a:buChar char="•"/>
+            </a:pPr>
+            <a:r>
               <a:rPr lang="en-US" sz="2800" dirty="0">
                 <a:solidFill>
-                  <a:srgbClr val="FF0000"/>
-                </a:solidFill>
-              </a:rPr>
-            </a:br>
-            <a:r>
-              <a:rPr lang="en-US" sz="2800" dirty="0">
-                <a:solidFill>
-                  <a:srgbClr val="FF0000"/>
+                  <a:schemeClr val="accent6">
+                    <a:lumMod val="60000"/>
+                    <a:lumOff val="40000"/>
+                  </a:schemeClr>
                 </a:solidFill>
               </a:rPr>
               <a:t>Which artist have the most songs on the top 100 Billboard?</a:t>
             </a:r>
-            <a:br>
+          </a:p>
+          <a:p>
+            <a:pPr marL="457200" indent="-457200">
+              <a:buFont typeface="Arial" panose="020B0604020202020204" pitchFamily="34" charset="0"/>
+              <a:buChar char="•"/>
+            </a:pPr>
+            <a:r>
               <a:rPr lang="en-US" sz="2800" dirty="0">
                 <a:solidFill>
-                  <a:srgbClr val="FF0000"/>
-                </a:solidFill>
-              </a:rPr>
-            </a:br>
-            <a:r>
-              <a:rPr lang="en-US" sz="2800" dirty="0">
-                <a:solidFill>
-                  <a:srgbClr val="FF0000"/>
+                  <a:schemeClr val="accent6">
+                    <a:lumMod val="60000"/>
+                    <a:lumOff val="40000"/>
+                  </a:schemeClr>
                 </a:solidFill>
               </a:rPr>
               <a:t>Are the more successful artist cross over multiple genres?</a:t>
             </a:r>
-            <a:endParaRPr lang="en-US" dirty="0"/>
-          </a:p>
-          <a:p>
-            <a:endParaRPr lang="en-US" dirty="0"/>
-          </a:p>
-          <a:p>
-            <a:endParaRPr lang="en-US" dirty="0"/>
+            <a:endParaRPr lang="en-US" dirty="0">
+              <a:solidFill>
+                <a:schemeClr val="accent6">
+                  <a:lumMod val="60000"/>
+                  <a:lumOff val="40000"/>
+                </a:schemeClr>
+              </a:solidFill>
+            </a:endParaRPr>
+          </a:p>
+          <a:p>
+            <a:endParaRPr lang="en-US" dirty="0">
+              <a:solidFill>
+                <a:schemeClr val="accent2">
+                  <a:lumMod val="75000"/>
+                </a:schemeClr>
+              </a:solidFill>
+            </a:endParaRPr>
+          </a:p>
+          <a:p>
+            <a:endParaRPr lang="en-US" dirty="0">
+              <a:solidFill>
+                <a:schemeClr val="accent2">
+                  <a:lumMod val="75000"/>
+                </a:schemeClr>
+              </a:solidFill>
+            </a:endParaRPr>
           </a:p>
         </p:txBody>
       </p:sp>
@@ -3787,7 +3856,10 @@
             <a:r>
               <a:rPr lang="en-US" sz="2800" b="1" dirty="0">
                 <a:solidFill>
-                  <a:srgbClr val="FF0000"/>
+                  <a:schemeClr val="accent6">
+                    <a:lumMod val="60000"/>
+                    <a:lumOff val="40000"/>
+                  </a:schemeClr>
                 </a:solidFill>
               </a:rPr>
               <a:t>Data Used: </a:t>
@@ -3795,14 +3867,20 @@
             <a:br>
               <a:rPr lang="en-US" sz="2800" dirty="0">
                 <a:solidFill>
-                  <a:srgbClr val="FF0000"/>
+                  <a:schemeClr val="accent6">
+                    <a:lumMod val="60000"/>
+                    <a:lumOff val="40000"/>
+                  </a:schemeClr>
                 </a:solidFill>
               </a:rPr>
             </a:br>
             <a:r>
               <a:rPr lang="en-US" sz="2400" dirty="0">
                 <a:solidFill>
-                  <a:srgbClr val="FF0000"/>
+                  <a:schemeClr val="accent6">
+                    <a:lumMod val="60000"/>
+                    <a:lumOff val="40000"/>
+                  </a:schemeClr>
                 </a:solidFill>
               </a:rPr>
               <a:t>http://www.bobborst.com/popculture/top-100-songs-of-the-year/?year=2015</a:t>
@@ -3810,14 +3888,20 @@
             <a:br>
               <a:rPr lang="en-US" sz="2400" dirty="0">
                 <a:solidFill>
-                  <a:srgbClr val="FF0000"/>
+                  <a:schemeClr val="accent6">
+                    <a:lumMod val="60000"/>
+                    <a:lumOff val="40000"/>
+                  </a:schemeClr>
                 </a:solidFill>
               </a:rPr>
             </a:br>
             <a:r>
               <a:rPr lang="en-US" sz="2400" dirty="0">
                 <a:solidFill>
-                  <a:srgbClr val="FF0000"/>
+                  <a:schemeClr val="accent6">
+                    <a:lumMod val="60000"/>
+                    <a:lumOff val="40000"/>
+                  </a:schemeClr>
                 </a:solidFill>
               </a:rPr>
               <a:t>https://developer.spotify.com/documentation/web-api/</a:t>
@@ -3825,14 +3909,20 @@
             <a:br>
               <a:rPr lang="en-US" sz="2400" dirty="0">
                 <a:solidFill>
-                  <a:srgbClr val="FF0000"/>
+                  <a:schemeClr val="accent6">
+                    <a:lumMod val="60000"/>
+                    <a:lumOff val="40000"/>
+                  </a:schemeClr>
                 </a:solidFill>
               </a:rPr>
             </a:br>
             <a:r>
               <a:rPr lang="en-US" sz="2400" dirty="0">
                 <a:solidFill>
-                  <a:srgbClr val="FF0000"/>
+                  <a:schemeClr val="accent6">
+                    <a:lumMod val="60000"/>
+                    <a:lumOff val="40000"/>
+                  </a:schemeClr>
                 </a:solidFill>
               </a:rPr>
               <a:t>https://en.wikipedia.org/wiki/Billboard_charts</a:t>
@@ -3841,7 +3931,10 @@
           <a:p>
             <a:endParaRPr lang="en-US" sz="2400" dirty="0">
               <a:solidFill>
-                <a:srgbClr val="FF0000"/>
+                <a:schemeClr val="accent6">
+                  <a:lumMod val="60000"/>
+                  <a:lumOff val="40000"/>
+                </a:schemeClr>
               </a:solidFill>
             </a:endParaRPr>
           </a:p>
@@ -3849,7 +3942,10 @@
             <a:r>
               <a:rPr lang="en-US" sz="2400" dirty="0">
                 <a:solidFill>
-                  <a:srgbClr val="FF0000"/>
+                  <a:schemeClr val="accent6">
+                    <a:lumMod val="60000"/>
+                    <a:lumOff val="40000"/>
+                  </a:schemeClr>
                 </a:solidFill>
               </a:rPr>
               <a:t>We were able to obtain song information via multiple API calls to Spotify. Additionally, we found a data source that contained the Top Billboard songs of the year from 1950-2017. </a:t>
@@ -3946,8 +4042,8 @@
         </p:nvSpPr>
         <p:spPr>
           <a:xfrm>
-            <a:off x="503068" y="179958"/>
-            <a:ext cx="11185864" cy="1354217"/>
+            <a:off x="331305" y="179958"/>
+            <a:ext cx="11516138" cy="1354217"/>
           </a:xfrm>
           <a:prstGeom prst="rect">
             <a:avLst/>
@@ -3967,14 +4063,20 @@
             <a:r>
               <a:rPr lang="en-US" sz="2800" b="1" dirty="0">
                 <a:solidFill>
-                  <a:srgbClr val="FF0000"/>
+                  <a:schemeClr val="accent6">
+                    <a:lumMod val="60000"/>
+                    <a:lumOff val="40000"/>
+                  </a:schemeClr>
                 </a:solidFill>
               </a:rPr>
-              <a:t>Visualizations using Billboard Data</a:t>
+              <a:t>Interactive Tableau Visualizations using Top 100 Billboard Data</a:t>
             </a:r>
             <a:endParaRPr lang="en-US" sz="2400" dirty="0">
               <a:solidFill>
-                <a:srgbClr val="FF0000"/>
+                <a:schemeClr val="accent6">
+                  <a:lumMod val="60000"/>
+                  <a:lumOff val="40000"/>
+                </a:schemeClr>
               </a:solidFill>
             </a:endParaRPr>
           </a:p>
@@ -4017,12 +4119,19 @@
         </p:blipFill>
         <p:spPr>
           <a:xfrm>
-            <a:off x="571500" y="1128712"/>
-            <a:ext cx="5201528" cy="5457826"/>
+            <a:off x="530086" y="914133"/>
+            <a:ext cx="5335705" cy="5420614"/>
           </a:xfrm>
           <a:prstGeom prst="rect">
             <a:avLst/>
           </a:prstGeom>
+          <a:ln>
+            <a:solidFill>
+              <a:schemeClr val="bg2">
+                <a:lumMod val="25000"/>
+              </a:schemeClr>
+            </a:solidFill>
+          </a:ln>
         </p:spPr>
       </p:pic>
       <p:pic>
@@ -4053,12 +4162,19 @@
         </p:blipFill>
         <p:spPr>
           <a:xfrm>
-            <a:off x="5876925" y="1128712"/>
+            <a:off x="5969689" y="876921"/>
             <a:ext cx="5708110" cy="5457826"/>
           </a:xfrm>
           <a:prstGeom prst="rect">
             <a:avLst/>
           </a:prstGeom>
+          <a:ln>
+            <a:solidFill>
+              <a:schemeClr val="bg2">
+                <a:lumMod val="25000"/>
+              </a:schemeClr>
+            </a:solidFill>
+          </a:ln>
         </p:spPr>
       </p:pic>
     </p:spTree>
@@ -4162,14 +4278,20 @@
             <a:r>
               <a:rPr lang="en-US" sz="2800" b="1" dirty="0">
                 <a:solidFill>
-                  <a:srgbClr val="FF0000"/>
+                  <a:schemeClr val="accent6">
+                    <a:lumMod val="60000"/>
+                    <a:lumOff val="40000"/>
+                  </a:schemeClr>
                 </a:solidFill>
               </a:rPr>
               <a:t>API Code Sample</a:t>
             </a:r>
             <a:endParaRPr lang="en-US" sz="2400" dirty="0">
               <a:solidFill>
-                <a:srgbClr val="FF0000"/>
+                <a:schemeClr val="accent6">
+                  <a:lumMod val="60000"/>
+                  <a:lumOff val="40000"/>
+                </a:schemeClr>
               </a:solidFill>
             </a:endParaRPr>
           </a:p>
@@ -4212,6 +4334,13 @@
           <a:prstGeom prst="rect">
             <a:avLst/>
           </a:prstGeom>
+          <a:ln>
+            <a:solidFill>
+              <a:schemeClr val="bg2">
+                <a:lumMod val="25000"/>
+              </a:schemeClr>
+            </a:solidFill>
+          </a:ln>
         </p:spPr>
       </p:pic>
     </p:spTree>
@@ -4294,8 +4423,8 @@
         </p:nvSpPr>
         <p:spPr>
           <a:xfrm>
-            <a:off x="503068" y="179958"/>
-            <a:ext cx="11185864" cy="1354217"/>
+            <a:off x="318052" y="179958"/>
+            <a:ext cx="11555896" cy="1354217"/>
           </a:xfrm>
           <a:prstGeom prst="rect">
             <a:avLst/>
@@ -4315,7 +4444,10 @@
             <a:r>
               <a:rPr lang="en-US" sz="2800" b="1" dirty="0">
                 <a:solidFill>
-                  <a:srgbClr val="FF0000"/>
+                  <a:schemeClr val="accent6">
+                    <a:lumMod val="60000"/>
+                    <a:lumOff val="40000"/>
+                  </a:schemeClr>
                 </a:solidFill>
               </a:rPr>
               <a:t>Machine Learning Sample Code: </a:t>
@@ -4323,14 +4455,31 @@
             <a:br>
               <a:rPr lang="en-US" sz="2800" dirty="0">
                 <a:solidFill>
-                  <a:srgbClr val="FF0000"/>
+                  <a:schemeClr val="accent6">
+                    <a:lumMod val="60000"/>
+                    <a:lumOff val="40000"/>
+                  </a:schemeClr>
                 </a:solidFill>
               </a:rPr>
             </a:br>
             <a:br>
-              <a:rPr lang="en-US" dirty="0"/>
+              <a:rPr lang="en-US" dirty="0">
+                <a:solidFill>
+                  <a:schemeClr val="accent6">
+                    <a:lumMod val="60000"/>
+                    <a:lumOff val="40000"/>
+                  </a:schemeClr>
+                </a:solidFill>
+              </a:rPr>
             </a:br>
-            <a:endParaRPr lang="en-US" dirty="0"/>
+            <a:endParaRPr lang="en-US" dirty="0">
+              <a:solidFill>
+                <a:schemeClr val="accent6">
+                  <a:lumMod val="60000"/>
+                  <a:lumOff val="40000"/>
+                </a:schemeClr>
+              </a:solidFill>
+            </a:endParaRPr>
           </a:p>
           <a:p>
             <a:endParaRPr lang="en-US" dirty="0"/>
@@ -4339,10 +4488,10 @@
       </p:sp>
       <p:pic>
         <p:nvPicPr>
-          <p:cNvPr id="6" name="Picture 5">
-            <a:extLst>
-              <a:ext uri="{FF2B5EF4-FFF2-40B4-BE49-F238E27FC236}">
-                <a16:creationId xmlns:a16="http://schemas.microsoft.com/office/drawing/2014/main" id="{FE9F4339-39E9-491B-A4E1-75F4D41848C0}"/>
+          <p:cNvPr id="9" name="Picture 8">
+            <a:extLst>
+              <a:ext uri="{FF2B5EF4-FFF2-40B4-BE49-F238E27FC236}">
+                <a16:creationId xmlns:a16="http://schemas.microsoft.com/office/drawing/2014/main" id="{BEFFB6DB-354E-49DB-93A6-2402CED835A7}"/>
               </a:ext>
             </a:extLst>
           </p:cNvPr>
@@ -4359,20 +4508,27 @@
         </p:blipFill>
         <p:spPr>
           <a:xfrm>
-            <a:off x="732546" y="857066"/>
-            <a:ext cx="10726907" cy="5820976"/>
+            <a:off x="503068" y="697404"/>
+            <a:ext cx="6734175" cy="2390775"/>
           </a:xfrm>
           <a:prstGeom prst="rect">
             <a:avLst/>
           </a:prstGeom>
+          <a:ln>
+            <a:solidFill>
+              <a:schemeClr val="bg2">
+                <a:lumMod val="25000"/>
+              </a:schemeClr>
+            </a:solidFill>
+          </a:ln>
         </p:spPr>
       </p:pic>
       <p:pic>
         <p:nvPicPr>
-          <p:cNvPr id="7" name="Picture 6">
-            <a:extLst>
-              <a:ext uri="{FF2B5EF4-FFF2-40B4-BE49-F238E27FC236}">
-                <a16:creationId xmlns:a16="http://schemas.microsoft.com/office/drawing/2014/main" id="{CB3C5C35-F7BC-4A65-A432-1AAE29D7F07D}"/>
+          <p:cNvPr id="4" name="Picture 3">
+            <a:extLst>
+              <a:ext uri="{FF2B5EF4-FFF2-40B4-BE49-F238E27FC236}">
+                <a16:creationId xmlns:a16="http://schemas.microsoft.com/office/drawing/2014/main" id="{4708C4E5-AC24-4EED-92D8-4B4AB7E05003}"/>
               </a:ext>
             </a:extLst>
           </p:cNvPr>
@@ -4389,12 +4545,56 @@
         </p:blipFill>
         <p:spPr>
           <a:xfrm>
-            <a:off x="6829425" y="4028781"/>
-            <a:ext cx="4630028" cy="2649261"/>
+            <a:off x="6387161" y="2466324"/>
+            <a:ext cx="5591551" cy="3814797"/>
           </a:xfrm>
           <a:prstGeom prst="rect">
             <a:avLst/>
           </a:prstGeom>
+          <a:ln>
+            <a:solidFill>
+              <a:schemeClr val="bg2">
+                <a:lumMod val="25000"/>
+              </a:schemeClr>
+            </a:solidFill>
+          </a:ln>
+        </p:spPr>
+      </p:pic>
+      <p:pic>
+        <p:nvPicPr>
+          <p:cNvPr id="8" name="Picture 7">
+            <a:extLst>
+              <a:ext uri="{FF2B5EF4-FFF2-40B4-BE49-F238E27FC236}">
+                <a16:creationId xmlns:a16="http://schemas.microsoft.com/office/drawing/2014/main" id="{011ACC8F-210C-49B6-81A6-F774CD3E0837}"/>
+              </a:ext>
+            </a:extLst>
+          </p:cNvPr>
+          <p:cNvPicPr>
+            <a:picLocks noChangeAspect="1"/>
+          </p:cNvPicPr>
+          <p:nvPr/>
+        </p:nvPicPr>
+        <p:blipFill>
+          <a:blip r:embed="rId5"/>
+          <a:stretch>
+            <a:fillRect/>
+          </a:stretch>
+        </p:blipFill>
+        <p:spPr>
+          <a:xfrm>
+            <a:off x="503068" y="3210942"/>
+            <a:ext cx="6219825" cy="3467100"/>
+          </a:xfrm>
+          <a:prstGeom prst="rect">
+            <a:avLst/>
+          </a:prstGeom>
+          <a:ln>
+            <a:solidFill>
+              <a:schemeClr val="bg2">
+                <a:lumMod val="25000"/>
+              </a:schemeClr>
+            </a:solidFill>
+          </a:ln>
         </p:spPr>
       </p:pic>
     </p:spTree>
@@ -4478,7 +4678,7 @@
         <p:spPr>
           <a:xfrm>
             <a:off x="503068" y="90487"/>
-            <a:ext cx="11185864" cy="584775"/>
+            <a:ext cx="11185864" cy="1077218"/>
           </a:xfrm>
           <a:prstGeom prst="rect">
             <a:avLst/>
@@ -4498,11 +4698,24 @@
             <a:r>
               <a:rPr lang="en-US" sz="3200" b="1" dirty="0">
                 <a:solidFill>
-                  <a:srgbClr val="FF0000"/>
+                  <a:schemeClr val="accent6">
+                    <a:lumMod val="60000"/>
+                    <a:lumOff val="40000"/>
+                  </a:schemeClr>
                 </a:solidFill>
               </a:rPr>
               <a:t>Visualizations brought to us by Tableau</a:t>
             </a:r>
+          </a:p>
+          <a:p>
+            <a:endParaRPr lang="en-US" sz="3200" b="1" dirty="0">
+              <a:solidFill>
+                <a:schemeClr val="accent6">
+                  <a:lumMod val="60000"/>
+                  <a:lumOff val="40000"/>
+                </a:schemeClr>
+              </a:solidFill>
+            </a:endParaRPr>
           </a:p>
         </p:txBody>
       </p:sp>
@@ -4534,6 +4747,13 @@
           <a:prstGeom prst="rect">
             <a:avLst/>
           </a:prstGeom>
+          <a:ln>
+            <a:solidFill>
+              <a:schemeClr val="bg2">
+                <a:lumMod val="25000"/>
+              </a:schemeClr>
+            </a:solidFill>
+          </a:ln>
         </p:spPr>
       </p:pic>
       <p:pic>
@@ -4564,6 +4784,13 @@
           <a:prstGeom prst="rect">
             <a:avLst/>
           </a:prstGeom>
+          <a:ln>
+            <a:solidFill>
+              <a:schemeClr val="bg2">
+                <a:lumMod val="25000"/>
+              </a:schemeClr>
+            </a:solidFill>
+          </a:ln>
         </p:spPr>
       </p:pic>
     </p:spTree>
@@ -4634,10 +4861,10 @@
       </p:pic>
       <p:sp>
         <p:nvSpPr>
-          <p:cNvPr id="7" name="TextBox 6">
-            <a:extLst>
-              <a:ext uri="{FF2B5EF4-FFF2-40B4-BE49-F238E27FC236}">
-                <a16:creationId xmlns:a16="http://schemas.microsoft.com/office/drawing/2014/main" id="{C10B8F73-C0A8-47E8-A9CE-C6EAAC05EAAC}"/>
+          <p:cNvPr id="9" name="TextBox 8">
+            <a:extLst>
+              <a:ext uri="{FF2B5EF4-FFF2-40B4-BE49-F238E27FC236}">
+                <a16:creationId xmlns:a16="http://schemas.microsoft.com/office/drawing/2014/main" id="{4D36B489-5EB7-41CC-A49D-B5770FBDCB5D}"/>
               </a:ext>
             </a:extLst>
           </p:cNvPr>
@@ -4646,8 +4873,8 @@
         </p:nvSpPr>
         <p:spPr>
           <a:xfrm>
-            <a:off x="-1" y="0"/>
-            <a:ext cx="8700117" cy="3416320"/>
+            <a:off x="503068" y="179958"/>
+            <a:ext cx="11185864" cy="5078313"/>
           </a:xfrm>
           <a:prstGeom prst="rect">
             <a:avLst/>
@@ -4665,20 +4892,353 @@
           <a:lstStyle/>
           <a:p>
             <a:r>
+              <a:rPr lang="en-US" sz="2800" b="1" dirty="0">
+                <a:solidFill>
+                  <a:schemeClr val="accent6">
+                    <a:lumMod val="60000"/>
+                    <a:lumOff val="40000"/>
+                  </a:schemeClr>
+                </a:solidFill>
+              </a:rPr>
+              <a:t>Conclusions: </a:t>
+            </a:r>
+            <a:br>
+              <a:rPr lang="en-US" sz="2800" dirty="0">
+                <a:solidFill>
+                  <a:schemeClr val="accent6">
+                    <a:lumMod val="60000"/>
+                    <a:lumOff val="40000"/>
+                  </a:schemeClr>
+                </a:solidFill>
+              </a:rPr>
+            </a:br>
+            <a:endParaRPr lang="en-US" sz="2400" dirty="0">
+              <a:solidFill>
+                <a:schemeClr val="accent6">
+                  <a:lumMod val="60000"/>
+                  <a:lumOff val="40000"/>
+                </a:schemeClr>
+              </a:solidFill>
+            </a:endParaRPr>
+          </a:p>
+          <a:p>
+            <a:r>
+              <a:rPr lang="en-US" sz="2400" dirty="0">
+                <a:solidFill>
+                  <a:schemeClr val="accent6">
+                    <a:lumMod val="60000"/>
+                    <a:lumOff val="40000"/>
+                  </a:schemeClr>
+                </a:solidFill>
+              </a:rPr>
+              <a:t>Billboard:</a:t>
+            </a:r>
+          </a:p>
+          <a:p>
+            <a:pPr marL="342900" indent="-342900">
+              <a:buFont typeface="Arial" panose="020B0604020202020204" pitchFamily="34" charset="0"/>
+              <a:buChar char="•"/>
+            </a:pPr>
+            <a:r>
+              <a:rPr lang="en-CA" sz="2000" dirty="0">
+                <a:solidFill>
+                  <a:schemeClr val="accent6">
+                    <a:lumMod val="60000"/>
+                    <a:lumOff val="40000"/>
+                  </a:schemeClr>
+                </a:solidFill>
+              </a:rPr>
+              <a:t>Song lyrics for titles in the Billboard Top 100 have become more repetitive over time.</a:t>
+            </a:r>
+          </a:p>
+          <a:p>
+            <a:pPr marL="342900" indent="-342900">
+              <a:buFont typeface="Arial" panose="020B0604020202020204" pitchFamily="34" charset="0"/>
+              <a:buChar char="•"/>
+            </a:pPr>
+            <a:r>
+              <a:rPr lang="en-CA" sz="2000" dirty="0">
+                <a:solidFill>
+                  <a:schemeClr val="accent6">
+                    <a:lumMod val="60000"/>
+                    <a:lumOff val="40000"/>
+                  </a:schemeClr>
+                </a:solidFill>
+              </a:rPr>
+              <a:t>The readability of song lyrics in the Billboard Top 100 list has become less difficult over time. </a:t>
+            </a:r>
+          </a:p>
+          <a:p>
+            <a:pPr marL="342900" indent="-342900">
+              <a:buFont typeface="Arial" panose="020B0604020202020204" pitchFamily="34" charset="0"/>
+              <a:buChar char="•"/>
+            </a:pPr>
+            <a:r>
+              <a:rPr lang="en-CA" sz="2000" dirty="0">
+                <a:solidFill>
+                  <a:schemeClr val="accent6">
+                    <a:lumMod val="60000"/>
+                    <a:lumOff val="40000"/>
+                  </a:schemeClr>
+                </a:solidFill>
+              </a:rPr>
+              <a:t>Artist Eminem has the most words that have appeared on the Billboard Top 100 song lists. </a:t>
+            </a:r>
+            <a:endParaRPr lang="en-US" sz="2000" dirty="0">
+              <a:solidFill>
+                <a:schemeClr val="accent6">
+                  <a:lumMod val="60000"/>
+                  <a:lumOff val="40000"/>
+                </a:schemeClr>
+              </a:solidFill>
+            </a:endParaRPr>
+          </a:p>
+          <a:p>
+            <a:endParaRPr lang="en-US" sz="2400" dirty="0">
+              <a:solidFill>
+                <a:schemeClr val="accent6">
+                  <a:lumMod val="60000"/>
+                  <a:lumOff val="40000"/>
+                </a:schemeClr>
+              </a:solidFill>
+            </a:endParaRPr>
+          </a:p>
+          <a:p>
+            <a:r>
+              <a:rPr lang="en-US" sz="2400" dirty="0">
+                <a:solidFill>
+                  <a:schemeClr val="accent6">
+                    <a:lumMod val="60000"/>
+                    <a:lumOff val="40000"/>
+                  </a:schemeClr>
+                </a:solidFill>
+              </a:rPr>
+              <a:t>Spotify:</a:t>
+            </a:r>
+          </a:p>
+          <a:p>
+            <a:pPr marL="285750" indent="-285750">
+              <a:buFont typeface="Arial" panose="020B0604020202020204" pitchFamily="34" charset="0"/>
+              <a:buChar char="•"/>
+            </a:pPr>
+            <a:r>
+              <a:rPr lang="en-US" sz="2000" dirty="0">
+                <a:solidFill>
+                  <a:schemeClr val="accent6">
+                    <a:lumMod val="60000"/>
+                    <a:lumOff val="40000"/>
+                  </a:schemeClr>
+                </a:solidFill>
+              </a:rPr>
+              <a:t>Using the top songs data from Spotify, machine learning was unable to predict song popularity with a high accuracy.</a:t>
+            </a:r>
+          </a:p>
+          <a:p>
+            <a:pPr marL="285750" indent="-285750">
+              <a:buFont typeface="Arial" panose="020B0604020202020204" pitchFamily="34" charset="0"/>
+              <a:buChar char="•"/>
+            </a:pPr>
+            <a:r>
+              <a:rPr lang="en-US" sz="2000" dirty="0">
+                <a:solidFill>
+                  <a:schemeClr val="accent6">
+                    <a:lumMod val="60000"/>
+                    <a:lumOff val="40000"/>
+                  </a:schemeClr>
+                </a:solidFill>
+              </a:rPr>
+              <a:t>Artist popularity drives individual song popularity.  </a:t>
+            </a:r>
+          </a:p>
+          <a:p>
+            <a:pPr marL="285750" indent="-285750">
+              <a:buFont typeface="Arial" panose="020B0604020202020204" pitchFamily="34" charset="0"/>
+              <a:buChar char="•"/>
+            </a:pPr>
+            <a:r>
+              <a:rPr lang="en-US" sz="2000" dirty="0">
+                <a:solidFill>
+                  <a:schemeClr val="accent6">
+                    <a:lumMod val="60000"/>
+                    <a:lumOff val="40000"/>
+                  </a:schemeClr>
+                </a:solidFill>
+              </a:rPr>
+              <a:t>There is a weak correlation between individual audio aspects and popularity, but a strong one between artist and song.  </a:t>
+            </a:r>
+          </a:p>
+          <a:p>
+            <a:pPr marL="285750" indent="-285750">
+              <a:buFont typeface="Arial" panose="020B0604020202020204" pitchFamily="34" charset="0"/>
+              <a:buChar char="•"/>
+            </a:pPr>
+            <a:r>
+              <a:rPr lang="en-US" sz="2000" dirty="0">
+                <a:solidFill>
+                  <a:schemeClr val="accent6">
+                    <a:lumMod val="60000"/>
+                    <a:lumOff val="40000"/>
+                  </a:schemeClr>
+                </a:solidFill>
+              </a:rPr>
+              <a:t>In summation, it is not as important to be musical, it is more important to be interesting/relevant.</a:t>
+            </a:r>
+            <a:br>
+              <a:rPr lang="en-US" sz="2000" dirty="0">
+                <a:solidFill>
+                  <a:schemeClr val="accent6">
+                    <a:lumMod val="60000"/>
+                    <a:lumOff val="40000"/>
+                  </a:schemeClr>
+                </a:solidFill>
+              </a:rPr>
+            </a:br>
+            <a:endParaRPr lang="en-US" sz="2000" dirty="0">
+              <a:solidFill>
+                <a:schemeClr val="accent6">
+                  <a:lumMod val="60000"/>
+                  <a:lumOff val="40000"/>
+                </a:schemeClr>
+              </a:solidFill>
+            </a:endParaRPr>
+          </a:p>
+        </p:txBody>
+      </p:sp>
+    </p:spTree>
+    <p:extLst>
+      <p:ext uri="{BB962C8B-B14F-4D97-AF65-F5344CB8AC3E}">
+        <p14:creationId xmlns:p14="http://schemas.microsoft.com/office/powerpoint/2010/main" val="490819098"/>
+      </p:ext>
+    </p:extLst>
+  </p:cSld>
+  <p:clrMapOvr>
+    <a:masterClrMapping/>
+  </p:clrMapOvr>
+</p:sld>
+</file>
+
+<file path=ppt/slides/slide9.xml><?xml version="1.0" encoding="utf-8"?>
+<p:sld xmlns:a="http://schemas.openxmlformats.org/drawingml/2006/main" xmlns:r="http://schemas.openxmlformats.org/officeDocument/2006/relationships" xmlns:p="http://schemas.openxmlformats.org/presentationml/2006/main">
+  <p:cSld>
+    <p:spTree>
+      <p:nvGrpSpPr>
+        <p:cNvPr id="1" name=""/>
+        <p:cNvGrpSpPr/>
+        <p:nvPr/>
+      </p:nvGrpSpPr>
+      <p:grpSpPr>
+        <a:xfrm>
+          <a:off x="0" y="0"/>
+          <a:ext cx="0" cy="0"/>
+          <a:chOff x="0" y="0"/>
+          <a:chExt cx="0" cy="0"/>
+        </a:xfrm>
+      </p:grpSpPr>
+      <p:pic>
+        <p:nvPicPr>
+          <p:cNvPr id="5" name="Picture 4">
+            <a:extLst>
+              <a:ext uri="{FF2B5EF4-FFF2-40B4-BE49-F238E27FC236}">
+                <a16:creationId xmlns:a16="http://schemas.microsoft.com/office/drawing/2014/main" id="{06E6F974-C1E0-4022-A200-6516967E5697}"/>
+              </a:ext>
+            </a:extLst>
+          </p:cNvPr>
+          <p:cNvPicPr>
+            <a:picLocks noChangeAspect="1"/>
+          </p:cNvPicPr>
+          <p:nvPr/>
+        </p:nvPicPr>
+        <p:blipFill>
+          <a:blip r:embed="rId2">
+            <a:extLst>
+              <a:ext uri="{28A0092B-C50C-407E-A947-70E740481C1C}">
+                <a14:useLocalDpi xmlns:a14="http://schemas.microsoft.com/office/drawing/2010/main" val="0"/>
+              </a:ext>
+            </a:extLst>
+          </a:blip>
+          <a:stretch>
+            <a:fillRect/>
+          </a:stretch>
+        </p:blipFill>
+        <p:spPr>
+          <a:xfrm>
+            <a:off x="-1480" y="-3504"/>
+            <a:ext cx="12192000" cy="6858000"/>
+          </a:xfrm>
+          <a:prstGeom prst="rect">
+            <a:avLst/>
+          </a:prstGeom>
+        </p:spPr>
+      </p:pic>
+      <p:sp>
+        <p:nvSpPr>
+          <p:cNvPr id="7" name="TextBox 6">
+            <a:extLst>
+              <a:ext uri="{FF2B5EF4-FFF2-40B4-BE49-F238E27FC236}">
+                <a16:creationId xmlns:a16="http://schemas.microsoft.com/office/drawing/2014/main" id="{C10B8F73-C0A8-47E8-A9CE-C6EAAC05EAAC}"/>
+              </a:ext>
+            </a:extLst>
+          </p:cNvPr>
+          <p:cNvSpPr txBox="1"/>
+          <p:nvPr/>
+        </p:nvSpPr>
+        <p:spPr>
+          <a:xfrm>
+            <a:off x="-1480" y="-3504"/>
+            <a:ext cx="8700117" cy="3046988"/>
+          </a:xfrm>
+          <a:prstGeom prst="rect">
+            <a:avLst/>
+          </a:prstGeom>
+          <a:solidFill>
+            <a:schemeClr val="bg2">
+              <a:lumMod val="25000"/>
+            </a:schemeClr>
+          </a:solidFill>
+        </p:spPr>
+        <p:txBody>
+          <a:bodyPr wrap="square" rtlCol="0">
+            <a:spAutoFit/>
+          </a:bodyPr>
+          <a:lstStyle/>
+          <a:p>
+            <a:r>
               <a:rPr lang="en-US" sz="7200" b="1" dirty="0">
+                <a:solidFill>
+                  <a:schemeClr val="accent6">
+                    <a:lumMod val="60000"/>
+                    <a:lumOff val="40000"/>
+                  </a:schemeClr>
+                </a:solidFill>
+              </a:rPr>
+              <a:t>Our Webpage</a:t>
+            </a:r>
+          </a:p>
+          <a:p>
+            <a:endParaRPr lang="en-US" sz="2400" b="1" dirty="0">
+              <a:solidFill>
+                <a:srgbClr val="FF0000"/>
+              </a:solidFill>
+            </a:endParaRPr>
+          </a:p>
+          <a:p>
+            <a:r>
+              <a:rPr lang="en-US" sz="2400" b="1" dirty="0">
+                <a:solidFill>
+                  <a:srgbClr val="FF0000"/>
+                </a:solidFill>
+                <a:hlinkClick r:id="rId3"/>
+              </a:rPr>
+              <a:t>https://lealamatina.github.io/Song_Data_Analysis/Index.html</a:t>
+            </a:r>
+            <a:r>
+              <a:rPr lang="en-US" sz="2400" b="1" dirty="0">
                 <a:solidFill>
                   <a:srgbClr val="FF0000"/>
                 </a:solidFill>
               </a:rPr>
-              <a:t>Webpage</a:t>
-            </a:r>
-          </a:p>
-          <a:p>
-            <a:endParaRPr lang="en-US" sz="7200" b="1" dirty="0">
-              <a:solidFill>
-                <a:srgbClr val="FF0000"/>
-              </a:solidFill>
-            </a:endParaRPr>
+              <a:t>  </a:t>
+            </a:r>
           </a:p>
           <a:p>
             <a:endParaRPr lang="en-US" sz="7200" b="1" dirty="0">
@@ -4725,7 +5285,10 @@
             <a:r>
               <a:rPr lang="en-US" sz="3600" b="1" dirty="0">
                 <a:solidFill>
-                  <a:srgbClr val="FF0000"/>
+                  <a:schemeClr val="accent6">
+                    <a:lumMod val="60000"/>
+                    <a:lumOff val="40000"/>
+                  </a:schemeClr>
                 </a:solidFill>
               </a:rPr>
               <a:t>Thank you!</a:t>
@@ -4735,7 +5298,10 @@
             <a:r>
               <a:rPr lang="en-US" sz="2400" b="1" dirty="0">
                 <a:solidFill>
-                  <a:srgbClr val="FF0000"/>
+                  <a:schemeClr val="accent6">
+                    <a:lumMod val="60000"/>
+                    <a:lumOff val="40000"/>
+                  </a:schemeClr>
                 </a:solidFill>
               </a:rPr>
               <a:t>Sincerely,</a:t>
@@ -4745,7 +5311,10 @@
             <a:r>
               <a:rPr lang="en-US" sz="2400" b="1" dirty="0">
                 <a:solidFill>
-                  <a:srgbClr val="FF0000"/>
+                  <a:schemeClr val="accent6">
+                    <a:lumMod val="60000"/>
+                    <a:lumOff val="40000"/>
+                  </a:schemeClr>
                 </a:solidFill>
               </a:rPr>
               <a:t>Brandi, Lea, Brian, Nikki &amp; Jérôme</a:t>
@@ -4756,7 +5325,7 @@
     </p:spTree>
     <p:extLst>
       <p:ext uri="{BB962C8B-B14F-4D97-AF65-F5344CB8AC3E}">
-        <p14:creationId xmlns:p14="http://schemas.microsoft.com/office/powerpoint/2010/main" val="490819098"/>
+        <p14:creationId xmlns:p14="http://schemas.microsoft.com/office/powerpoint/2010/main" val="89279230"/>
       </p:ext>
     </p:extLst>
   </p:cSld>
